--- a/判断推理.pptx
+++ b/判断推理.pptx
@@ -5,7 +5,9 @@
     <p:sldMasterId id="2147483648" r:id="rId1"/>
   </p:sldMasterIdLst>
   <p:sldIdLst>
-    <p:sldId id="256" r:id="rId2"/>
+    <p:sldId id="257" r:id="rId2"/>
+    <p:sldId id="258" r:id="rId3"/>
+    <p:sldId id="256" r:id="rId4"/>
   </p:sldIdLst>
   <p:sldSz cx="12192000" cy="6858000"/>
   <p:notesSz cx="6858000" cy="9144000"/>
@@ -3323,6 +3325,484 @@
       </p:grpSpPr>
       <p:sp>
         <p:nvSpPr>
+          <p:cNvPr id="4" name="文本框 3">
+            <a:extLst>
+              <a:ext uri="{FF2B5EF4-FFF2-40B4-BE49-F238E27FC236}">
+                <a16:creationId xmlns:a16="http://schemas.microsoft.com/office/drawing/2014/main" id="{094A9601-91F6-1CFB-CC29-851D546FB5AB}"/>
+              </a:ext>
+            </a:extLst>
+          </p:cNvPr>
+          <p:cNvSpPr txBox="1"/>
+          <p:nvPr/>
+        </p:nvSpPr>
+        <p:spPr>
+          <a:xfrm>
+            <a:off x="336885" y="327259"/>
+            <a:ext cx="1415772" cy="461665"/>
+          </a:xfrm>
+          <a:prstGeom prst="rect">
+            <a:avLst/>
+          </a:prstGeom>
+          <a:noFill/>
+        </p:spPr>
+        <p:txBody>
+          <a:bodyPr wrap="none" rtlCol="0">
+            <a:spAutoFit/>
+          </a:bodyPr>
+          <a:lstStyle/>
+          <a:p>
+            <a:r>
+              <a:rPr kumimoji="1" lang="zh-CN" altLang="en-US" sz="2400" b="1" dirty="0"/>
+              <a:t>立体拼合</a:t>
+            </a:r>
+          </a:p>
+        </p:txBody>
+      </p:sp>
+      <p:sp>
+        <p:nvSpPr>
+          <p:cNvPr id="5" name="文本框 4">
+            <a:extLst>
+              <a:ext uri="{FF2B5EF4-FFF2-40B4-BE49-F238E27FC236}">
+                <a16:creationId xmlns:a16="http://schemas.microsoft.com/office/drawing/2014/main" id="{580DF743-E14A-829A-F33D-EC3457672A3D}"/>
+              </a:ext>
+            </a:extLst>
+          </p:cNvPr>
+          <p:cNvSpPr txBox="1"/>
+          <p:nvPr/>
+        </p:nvSpPr>
+        <p:spPr>
+          <a:xfrm>
+            <a:off x="336885" y="1353954"/>
+            <a:ext cx="1107996" cy="369332"/>
+          </a:xfrm>
+          <a:prstGeom prst="rect">
+            <a:avLst/>
+          </a:prstGeom>
+          <a:noFill/>
+        </p:spPr>
+        <p:txBody>
+          <a:bodyPr wrap="none" rtlCol="0">
+            <a:spAutoFit/>
+          </a:bodyPr>
+          <a:lstStyle/>
+          <a:p>
+            <a:r>
+              <a:rPr kumimoji="1" lang="zh-CN" altLang="en-US" b="1" dirty="0"/>
+              <a:t>复杂图形</a:t>
+            </a:r>
+          </a:p>
+        </p:txBody>
+      </p:sp>
+      <p:sp>
+        <p:nvSpPr>
+          <p:cNvPr id="6" name="文本框 5">
+            <a:extLst>
+              <a:ext uri="{FF2B5EF4-FFF2-40B4-BE49-F238E27FC236}">
+                <a16:creationId xmlns:a16="http://schemas.microsoft.com/office/drawing/2014/main" id="{9A9597D3-F257-9CC7-53A1-2F3A030E1527}"/>
+              </a:ext>
+            </a:extLst>
+          </p:cNvPr>
+          <p:cNvSpPr txBox="1"/>
+          <p:nvPr/>
+        </p:nvSpPr>
+        <p:spPr>
+          <a:xfrm>
+            <a:off x="1675713" y="1076955"/>
+            <a:ext cx="3416320" cy="923330"/>
+          </a:xfrm>
+          <a:prstGeom prst="rect">
+            <a:avLst/>
+          </a:prstGeom>
+          <a:noFill/>
+        </p:spPr>
+        <p:txBody>
+          <a:bodyPr wrap="none" rtlCol="0">
+            <a:spAutoFit/>
+          </a:bodyPr>
+          <a:lstStyle/>
+          <a:p>
+            <a:r>
+              <a:rPr kumimoji="1" lang="zh-CN" altLang="en-US" b="1" dirty="0"/>
+              <a:t>方案一：直角等边长</a:t>
+            </a:r>
+            <a:endParaRPr kumimoji="1" lang="en-US" altLang="zh-CN" b="1" dirty="0"/>
+          </a:p>
+          <a:p>
+            <a:endParaRPr kumimoji="1" lang="en-US" altLang="zh-CN" b="1" dirty="0"/>
+          </a:p>
+          <a:p>
+            <a:r>
+              <a:rPr kumimoji="1" lang="zh-CN" altLang="en-US" b="1" dirty="0"/>
+              <a:t>方案二：直角的延长线为公共线</a:t>
+            </a:r>
+          </a:p>
+        </p:txBody>
+      </p:sp>
+      <p:sp>
+        <p:nvSpPr>
+          <p:cNvPr id="7" name="文本框 6">
+            <a:extLst>
+              <a:ext uri="{FF2B5EF4-FFF2-40B4-BE49-F238E27FC236}">
+                <a16:creationId xmlns:a16="http://schemas.microsoft.com/office/drawing/2014/main" id="{C519B8F7-AA61-92EA-66AF-193D164675E0}"/>
+              </a:ext>
+            </a:extLst>
+          </p:cNvPr>
+          <p:cNvSpPr txBox="1"/>
+          <p:nvPr/>
+        </p:nvSpPr>
+        <p:spPr>
+          <a:xfrm>
+            <a:off x="336885" y="2776406"/>
+            <a:ext cx="1338828" cy="369332"/>
+          </a:xfrm>
+          <a:prstGeom prst="rect">
+            <a:avLst/>
+          </a:prstGeom>
+          <a:noFill/>
+        </p:spPr>
+        <p:txBody>
+          <a:bodyPr wrap="none" rtlCol="0">
+            <a:spAutoFit/>
+          </a:bodyPr>
+          <a:lstStyle/>
+          <a:p>
+            <a:r>
+              <a:rPr kumimoji="1" lang="zh-CN" altLang="en-US" b="1" dirty="0"/>
+              <a:t>常规六面体</a:t>
+            </a:r>
+          </a:p>
+        </p:txBody>
+      </p:sp>
+      <p:sp>
+        <p:nvSpPr>
+          <p:cNvPr id="8" name="文本框 7">
+            <a:extLst>
+              <a:ext uri="{FF2B5EF4-FFF2-40B4-BE49-F238E27FC236}">
+                <a16:creationId xmlns:a16="http://schemas.microsoft.com/office/drawing/2014/main" id="{7816045F-18F2-3A47-B29B-8CA390F4DF10}"/>
+              </a:ext>
+            </a:extLst>
+          </p:cNvPr>
+          <p:cNvSpPr txBox="1"/>
+          <p:nvPr/>
+        </p:nvSpPr>
+        <p:spPr>
+          <a:xfrm>
+            <a:off x="1675713" y="2499407"/>
+            <a:ext cx="4570482" cy="923330"/>
+          </a:xfrm>
+          <a:prstGeom prst="rect">
+            <a:avLst/>
+          </a:prstGeom>
+          <a:noFill/>
+        </p:spPr>
+        <p:txBody>
+          <a:bodyPr wrap="none" rtlCol="0">
+            <a:spAutoFit/>
+          </a:bodyPr>
+          <a:lstStyle/>
+          <a:p>
+            <a:r>
+              <a:rPr kumimoji="1" lang="zh-CN" altLang="en-US" b="1" dirty="0"/>
+              <a:t>方案一：脑子直接拼折就行</a:t>
+            </a:r>
+            <a:endParaRPr kumimoji="1" lang="en-US" altLang="zh-CN" b="1" dirty="0"/>
+          </a:p>
+          <a:p>
+            <a:endParaRPr kumimoji="1" lang="en-US" altLang="zh-CN" b="1" dirty="0"/>
+          </a:p>
+          <a:p>
+            <a:r>
+              <a:rPr kumimoji="1" lang="zh-CN" altLang="en-US" b="1" dirty="0"/>
+              <a:t>方案二：复杂的用直角、直角延长线等边长</a:t>
+            </a:r>
+          </a:p>
+        </p:txBody>
+      </p:sp>
+    </p:spTree>
+    <p:extLst>
+      <p:ext uri="{BB962C8B-B14F-4D97-AF65-F5344CB8AC3E}">
+        <p14:creationId xmlns:p14="http://schemas.microsoft.com/office/powerpoint/2010/main" val="3324732290"/>
+      </p:ext>
+    </p:extLst>
+  </p:cSld>
+  <p:clrMapOvr>
+    <a:masterClrMapping/>
+  </p:clrMapOvr>
+</p:sld>
+</file>
+
+<file path=ppt/slides/slide2.xml><?xml version="1.0" encoding="utf-8"?>
+<p:sld xmlns:a="http://schemas.openxmlformats.org/drawingml/2006/main" xmlns:r="http://schemas.openxmlformats.org/officeDocument/2006/relationships" xmlns:p="http://schemas.openxmlformats.org/presentationml/2006/main">
+  <p:cSld>
+    <p:spTree>
+      <p:nvGrpSpPr>
+        <p:cNvPr id="1" name=""/>
+        <p:cNvGrpSpPr/>
+        <p:nvPr/>
+      </p:nvGrpSpPr>
+      <p:grpSpPr>
+        <a:xfrm>
+          <a:off x="0" y="0"/>
+          <a:ext cx="0" cy="0"/>
+          <a:chOff x="0" y="0"/>
+          <a:chExt cx="0" cy="0"/>
+        </a:xfrm>
+      </p:grpSpPr>
+      <p:sp>
+        <p:nvSpPr>
+          <p:cNvPr id="4" name="文本框 3">
+            <a:extLst>
+              <a:ext uri="{FF2B5EF4-FFF2-40B4-BE49-F238E27FC236}">
+                <a16:creationId xmlns:a16="http://schemas.microsoft.com/office/drawing/2014/main" id="{43F5635F-8EC1-96C1-7143-291E7E5E9B7C}"/>
+              </a:ext>
+            </a:extLst>
+          </p:cNvPr>
+          <p:cNvSpPr txBox="1"/>
+          <p:nvPr/>
+        </p:nvSpPr>
+        <p:spPr>
+          <a:xfrm>
+            <a:off x="336885" y="327259"/>
+            <a:ext cx="6955750" cy="461665"/>
+          </a:xfrm>
+          <a:prstGeom prst="rect">
+            <a:avLst/>
+          </a:prstGeom>
+          <a:noFill/>
+        </p:spPr>
+        <p:txBody>
+          <a:bodyPr wrap="none" rtlCol="0">
+            <a:spAutoFit/>
+          </a:bodyPr>
+          <a:lstStyle/>
+          <a:p>
+            <a:r>
+              <a:rPr kumimoji="1" lang="zh-CN" altLang="en-US" sz="2400" b="1" dirty="0"/>
+              <a:t>方块堆砌</a:t>
+            </a:r>
+            <a:r>
+              <a:rPr kumimoji="1" lang="zh-CN" altLang="en-US" sz="2400" b="1" dirty="0">
+                <a:solidFill>
+                  <a:srgbClr val="FF0000"/>
+                </a:solidFill>
+              </a:rPr>
+              <a:t>（分层数数，合理凑数。禁止拦腰斩断）</a:t>
+            </a:r>
+          </a:p>
+        </p:txBody>
+      </p:sp>
+      <p:sp>
+        <p:nvSpPr>
+          <p:cNvPr id="5" name="文本框 4">
+            <a:extLst>
+              <a:ext uri="{FF2B5EF4-FFF2-40B4-BE49-F238E27FC236}">
+                <a16:creationId xmlns:a16="http://schemas.microsoft.com/office/drawing/2014/main" id="{45D30122-5B0D-7692-3168-408E2889BC14}"/>
+              </a:ext>
+            </a:extLst>
+          </p:cNvPr>
+          <p:cNvSpPr txBox="1"/>
+          <p:nvPr/>
+        </p:nvSpPr>
+        <p:spPr>
+          <a:xfrm>
+            <a:off x="336885" y="1353954"/>
+            <a:ext cx="1107996" cy="369332"/>
+          </a:xfrm>
+          <a:prstGeom prst="rect">
+            <a:avLst/>
+          </a:prstGeom>
+          <a:noFill/>
+        </p:spPr>
+        <p:txBody>
+          <a:bodyPr wrap="none" rtlCol="0">
+            <a:spAutoFit/>
+          </a:bodyPr>
+          <a:lstStyle/>
+          <a:p>
+            <a:r>
+              <a:rPr kumimoji="1" lang="zh-CN" altLang="en-US" b="1" dirty="0"/>
+              <a:t>分层拼合</a:t>
+            </a:r>
+          </a:p>
+        </p:txBody>
+      </p:sp>
+      <p:sp>
+        <p:nvSpPr>
+          <p:cNvPr id="6" name="文本框 5">
+            <a:extLst>
+              <a:ext uri="{FF2B5EF4-FFF2-40B4-BE49-F238E27FC236}">
+                <a16:creationId xmlns:a16="http://schemas.microsoft.com/office/drawing/2014/main" id="{F1408C28-3525-69B5-8104-23813DBCAF8C}"/>
+              </a:ext>
+            </a:extLst>
+          </p:cNvPr>
+          <p:cNvSpPr txBox="1"/>
+          <p:nvPr/>
+        </p:nvSpPr>
+        <p:spPr>
+          <a:xfrm>
+            <a:off x="1675713" y="1076955"/>
+            <a:ext cx="2262158" cy="1477328"/>
+          </a:xfrm>
+          <a:prstGeom prst="rect">
+            <a:avLst/>
+          </a:prstGeom>
+          <a:noFill/>
+        </p:spPr>
+        <p:txBody>
+          <a:bodyPr wrap="none" rtlCol="0">
+            <a:spAutoFit/>
+          </a:bodyPr>
+          <a:lstStyle/>
+          <a:p>
+            <a:r>
+              <a:rPr kumimoji="1" lang="zh-CN" altLang="en-US" b="1" dirty="0"/>
+              <a:t>单一选项：直接选</a:t>
+            </a:r>
+            <a:endParaRPr kumimoji="1" lang="en-US" altLang="zh-CN" b="1" dirty="0"/>
+          </a:p>
+          <a:p>
+            <a:endParaRPr kumimoji="1" lang="en-US" altLang="zh-CN" b="1" dirty="0"/>
+          </a:p>
+          <a:p>
+            <a:r>
+              <a:rPr kumimoji="1" lang="zh-CN" altLang="en-US" b="1" dirty="0"/>
+              <a:t>多个选项：单面难点</a:t>
+            </a:r>
+            <a:endParaRPr kumimoji="1" lang="en-US" altLang="zh-CN" b="1" dirty="0"/>
+          </a:p>
+          <a:p>
+            <a:endParaRPr kumimoji="1" lang="en-US" altLang="zh-CN" b="1" dirty="0"/>
+          </a:p>
+          <a:p>
+            <a:r>
+              <a:rPr kumimoji="1" lang="zh-CN" altLang="en-US" b="1" dirty="0"/>
+              <a:t>无选项：旋转难点</a:t>
+            </a:r>
+          </a:p>
+        </p:txBody>
+      </p:sp>
+      <p:sp>
+        <p:nvSpPr>
+          <p:cNvPr id="7" name="文本框 6">
+            <a:extLst>
+              <a:ext uri="{FF2B5EF4-FFF2-40B4-BE49-F238E27FC236}">
+                <a16:creationId xmlns:a16="http://schemas.microsoft.com/office/drawing/2014/main" id="{D898A1E0-BCB0-E4B0-F2F5-389A9925909A}"/>
+              </a:ext>
+            </a:extLst>
+          </p:cNvPr>
+          <p:cNvSpPr txBox="1"/>
+          <p:nvPr/>
+        </p:nvSpPr>
+        <p:spPr>
+          <a:xfrm>
+            <a:off x="336885" y="2776406"/>
+            <a:ext cx="1107996" cy="369332"/>
+          </a:xfrm>
+          <a:prstGeom prst="rect">
+            <a:avLst/>
+          </a:prstGeom>
+          <a:noFill/>
+        </p:spPr>
+        <p:txBody>
+          <a:bodyPr wrap="none" rtlCol="0">
+            <a:spAutoFit/>
+          </a:bodyPr>
+          <a:lstStyle/>
+          <a:p>
+            <a:r>
+              <a:rPr kumimoji="1" lang="zh-CN" altLang="en-US" b="1" dirty="0"/>
+              <a:t>分层拼合</a:t>
+            </a:r>
+          </a:p>
+        </p:txBody>
+      </p:sp>
+      <p:sp>
+        <p:nvSpPr>
+          <p:cNvPr id="8" name="文本框 7">
+            <a:extLst>
+              <a:ext uri="{FF2B5EF4-FFF2-40B4-BE49-F238E27FC236}">
+                <a16:creationId xmlns:a16="http://schemas.microsoft.com/office/drawing/2014/main" id="{B5FC8549-5302-8CF5-CD82-80F7B65B8DCA}"/>
+              </a:ext>
+            </a:extLst>
+          </p:cNvPr>
+          <p:cNvSpPr txBox="1"/>
+          <p:nvPr/>
+        </p:nvSpPr>
+        <p:spPr>
+          <a:xfrm>
+            <a:off x="1675713" y="2499407"/>
+            <a:ext cx="2262158" cy="1477328"/>
+          </a:xfrm>
+          <a:prstGeom prst="rect">
+            <a:avLst/>
+          </a:prstGeom>
+          <a:noFill/>
+        </p:spPr>
+        <p:txBody>
+          <a:bodyPr wrap="none" rtlCol="0">
+            <a:spAutoFit/>
+          </a:bodyPr>
+          <a:lstStyle/>
+          <a:p>
+            <a:r>
+              <a:rPr kumimoji="1" lang="zh-CN" altLang="en-US" b="1" dirty="0"/>
+              <a:t>单一选项：直接选</a:t>
+            </a:r>
+            <a:endParaRPr kumimoji="1" lang="en-US" altLang="zh-CN" b="1" dirty="0"/>
+          </a:p>
+          <a:p>
+            <a:endParaRPr kumimoji="1" lang="en-US" altLang="zh-CN" b="1" dirty="0"/>
+          </a:p>
+          <a:p>
+            <a:r>
+              <a:rPr kumimoji="1" lang="zh-CN" altLang="en-US" b="1" dirty="0"/>
+              <a:t>多个选项：单面难点</a:t>
+            </a:r>
+            <a:endParaRPr kumimoji="1" lang="en-US" altLang="zh-CN" b="1" dirty="0"/>
+          </a:p>
+          <a:p>
+            <a:endParaRPr kumimoji="1" lang="en-US" altLang="zh-CN" b="1" dirty="0"/>
+          </a:p>
+          <a:p>
+            <a:r>
+              <a:rPr kumimoji="1" lang="zh-CN" altLang="en-US" b="1" dirty="0"/>
+              <a:t>无选项：旋转难点</a:t>
+            </a:r>
+          </a:p>
+        </p:txBody>
+      </p:sp>
+    </p:spTree>
+    <p:extLst>
+      <p:ext uri="{BB962C8B-B14F-4D97-AF65-F5344CB8AC3E}">
+        <p14:creationId xmlns:p14="http://schemas.microsoft.com/office/powerpoint/2010/main" val="56771265"/>
+      </p:ext>
+    </p:extLst>
+  </p:cSld>
+  <p:clrMapOvr>
+    <a:masterClrMapping/>
+  </p:clrMapOvr>
+</p:sld>
+</file>
+
+<file path=ppt/slides/slide3.xml><?xml version="1.0" encoding="utf-8"?>
+<p:sld xmlns:a="http://schemas.openxmlformats.org/drawingml/2006/main" xmlns:r="http://schemas.openxmlformats.org/officeDocument/2006/relationships" xmlns:p="http://schemas.openxmlformats.org/presentationml/2006/main">
+  <p:cSld>
+    <p:spTree>
+      <p:nvGrpSpPr>
+        <p:cNvPr id="1" name=""/>
+        <p:cNvGrpSpPr/>
+        <p:nvPr/>
+      </p:nvGrpSpPr>
+      <p:grpSpPr>
+        <a:xfrm>
+          <a:off x="0" y="0"/>
+          <a:ext cx="0" cy="0"/>
+          <a:chOff x="0" y="0"/>
+          <a:chExt cx="0" cy="0"/>
+        </a:xfrm>
+      </p:grpSpPr>
+      <p:sp>
+        <p:nvSpPr>
           <p:cNvPr id="5" name="文本框 4">
             <a:extLst>
               <a:ext uri="{FF2B5EF4-FFF2-40B4-BE49-F238E27FC236}">

--- a/判断推理.pptx
+++ b/判断推理.pptx
@@ -106,6 +106,11 @@
       </a:defRPr>
     </a:lvl9pPr>
   </p:defaultTextStyle>
+  <p:extLst>
+    <p:ext uri="{EFAFB233-063F-42B5-8137-9DF3F51BA10A}">
+      <p15:sldGuideLst xmlns:p15="http://schemas.microsoft.com/office/powerpoint/2012/main"/>
+    </p:ext>
+  </p:extLst>
 </p:presentation>
 </file>
 
@@ -256,7 +261,7 @@
           <a:p>
             <a:fld id="{2EEEAFF2-312D-AC4C-B48A-5A13BF469FB7}" type="datetimeFigureOut">
               <a:rPr kumimoji="1" lang="zh-CN" altLang="en-US" smtClean="0"/>
-              <a:t>2022/9/23</a:t>
+              <a:t>2022/9/24</a:t>
             </a:fld>
             <a:endParaRPr kumimoji="1" lang="zh-CN" altLang="en-US"/>
           </a:p>
@@ -454,7 +459,7 @@
           <a:p>
             <a:fld id="{2EEEAFF2-312D-AC4C-B48A-5A13BF469FB7}" type="datetimeFigureOut">
               <a:rPr kumimoji="1" lang="zh-CN" altLang="en-US" smtClean="0"/>
-              <a:t>2022/9/23</a:t>
+              <a:t>2022/9/24</a:t>
             </a:fld>
             <a:endParaRPr kumimoji="1" lang="zh-CN" altLang="en-US"/>
           </a:p>
@@ -662,7 +667,7 @@
           <a:p>
             <a:fld id="{2EEEAFF2-312D-AC4C-B48A-5A13BF469FB7}" type="datetimeFigureOut">
               <a:rPr kumimoji="1" lang="zh-CN" altLang="en-US" smtClean="0"/>
-              <a:t>2022/9/23</a:t>
+              <a:t>2022/9/24</a:t>
             </a:fld>
             <a:endParaRPr kumimoji="1" lang="zh-CN" altLang="en-US"/>
           </a:p>
@@ -860,7 +865,7 @@
           <a:p>
             <a:fld id="{2EEEAFF2-312D-AC4C-B48A-5A13BF469FB7}" type="datetimeFigureOut">
               <a:rPr kumimoji="1" lang="zh-CN" altLang="en-US" smtClean="0"/>
-              <a:t>2022/9/23</a:t>
+              <a:t>2022/9/24</a:t>
             </a:fld>
             <a:endParaRPr kumimoji="1" lang="zh-CN" altLang="en-US"/>
           </a:p>
@@ -1135,7 +1140,7 @@
           <a:p>
             <a:fld id="{2EEEAFF2-312D-AC4C-B48A-5A13BF469FB7}" type="datetimeFigureOut">
               <a:rPr kumimoji="1" lang="zh-CN" altLang="en-US" smtClean="0"/>
-              <a:t>2022/9/23</a:t>
+              <a:t>2022/9/24</a:t>
             </a:fld>
             <a:endParaRPr kumimoji="1" lang="zh-CN" altLang="en-US"/>
           </a:p>
@@ -1400,7 +1405,7 @@
           <a:p>
             <a:fld id="{2EEEAFF2-312D-AC4C-B48A-5A13BF469FB7}" type="datetimeFigureOut">
               <a:rPr kumimoji="1" lang="zh-CN" altLang="en-US" smtClean="0"/>
-              <a:t>2022/9/23</a:t>
+              <a:t>2022/9/24</a:t>
             </a:fld>
             <a:endParaRPr kumimoji="1" lang="zh-CN" altLang="en-US"/>
           </a:p>
@@ -1812,7 +1817,7 @@
           <a:p>
             <a:fld id="{2EEEAFF2-312D-AC4C-B48A-5A13BF469FB7}" type="datetimeFigureOut">
               <a:rPr kumimoji="1" lang="zh-CN" altLang="en-US" smtClean="0"/>
-              <a:t>2022/9/23</a:t>
+              <a:t>2022/9/24</a:t>
             </a:fld>
             <a:endParaRPr kumimoji="1" lang="zh-CN" altLang="en-US"/>
           </a:p>
@@ -1953,7 +1958,7 @@
           <a:p>
             <a:fld id="{2EEEAFF2-312D-AC4C-B48A-5A13BF469FB7}" type="datetimeFigureOut">
               <a:rPr kumimoji="1" lang="zh-CN" altLang="en-US" smtClean="0"/>
-              <a:t>2022/9/23</a:t>
+              <a:t>2022/9/24</a:t>
             </a:fld>
             <a:endParaRPr kumimoji="1" lang="zh-CN" altLang="en-US"/>
           </a:p>
@@ -2066,7 +2071,7 @@
           <a:p>
             <a:fld id="{2EEEAFF2-312D-AC4C-B48A-5A13BF469FB7}" type="datetimeFigureOut">
               <a:rPr kumimoji="1" lang="zh-CN" altLang="en-US" smtClean="0"/>
-              <a:t>2022/9/23</a:t>
+              <a:t>2022/9/24</a:t>
             </a:fld>
             <a:endParaRPr kumimoji="1" lang="zh-CN" altLang="en-US"/>
           </a:p>
@@ -2377,7 +2382,7 @@
           <a:p>
             <a:fld id="{2EEEAFF2-312D-AC4C-B48A-5A13BF469FB7}" type="datetimeFigureOut">
               <a:rPr kumimoji="1" lang="zh-CN" altLang="en-US" smtClean="0"/>
-              <a:t>2022/9/23</a:t>
+              <a:t>2022/9/24</a:t>
             </a:fld>
             <a:endParaRPr kumimoji="1" lang="zh-CN" altLang="en-US"/>
           </a:p>
@@ -2665,7 +2670,7 @@
           <a:p>
             <a:fld id="{2EEEAFF2-312D-AC4C-B48A-5A13BF469FB7}" type="datetimeFigureOut">
               <a:rPr kumimoji="1" lang="zh-CN" altLang="en-US" smtClean="0"/>
-              <a:t>2022/9/23</a:t>
+              <a:t>2022/9/24</a:t>
             </a:fld>
             <a:endParaRPr kumimoji="1" lang="zh-CN" altLang="en-US"/>
           </a:p>
@@ -2906,7 +2911,7 @@
           <a:p>
             <a:fld id="{2EEEAFF2-312D-AC4C-B48A-5A13BF469FB7}" type="datetimeFigureOut">
               <a:rPr kumimoji="1" lang="zh-CN" altLang="en-US" smtClean="0"/>
-              <a:t>2022/9/23</a:t>
+              <a:t>2022/9/24</a:t>
             </a:fld>
             <a:endParaRPr kumimoji="1" lang="zh-CN" altLang="en-US"/>
           </a:p>
@@ -3621,7 +3626,7 @@
           <a:p>
             <a:r>
               <a:rPr kumimoji="1" lang="zh-CN" altLang="en-US" b="1" dirty="0"/>
-              <a:t>分层拼合</a:t>
+              <a:t>单一选项</a:t>
             </a:r>
           </a:p>
         </p:txBody>
@@ -3641,7 +3646,7 @@
         <p:spPr>
           <a:xfrm>
             <a:off x="1675713" y="1076955"/>
-            <a:ext cx="2262158" cy="1477328"/>
+            <a:ext cx="3416320" cy="923330"/>
           </a:xfrm>
           <a:prstGeom prst="rect">
             <a:avLst/>
@@ -3656,7 +3661,7 @@
           <a:p>
             <a:r>
               <a:rPr kumimoji="1" lang="zh-CN" altLang="en-US" b="1" dirty="0"/>
-              <a:t>单一选项：直接选</a:t>
+              <a:t>从上往下，分层数数，合理凑数</a:t>
             </a:r>
             <a:endParaRPr kumimoji="1" lang="en-US" altLang="zh-CN" b="1" dirty="0"/>
           </a:p>
@@ -3666,17 +3671,7 @@
           <a:p>
             <a:r>
               <a:rPr kumimoji="1" lang="zh-CN" altLang="en-US" b="1" dirty="0"/>
-              <a:t>多个选项：单面难点</a:t>
-            </a:r>
-            <a:endParaRPr kumimoji="1" lang="en-US" altLang="zh-CN" b="1" dirty="0"/>
-          </a:p>
-          <a:p>
-            <a:endParaRPr kumimoji="1" lang="en-US" altLang="zh-CN" b="1" dirty="0"/>
-          </a:p>
-          <a:p>
-            <a:r>
-              <a:rPr kumimoji="1" lang="zh-CN" altLang="en-US" b="1" dirty="0"/>
-              <a:t>无选项：旋转难点</a:t>
+              <a:t>直接选</a:t>
             </a:r>
           </a:p>
         </p:txBody>
@@ -3711,7 +3706,7 @@
           <a:p>
             <a:r>
               <a:rPr kumimoji="1" lang="zh-CN" altLang="en-US" b="1" dirty="0"/>
-              <a:t>分层拼合</a:t>
+              <a:t>多个选项</a:t>
             </a:r>
           </a:p>
         </p:txBody>
@@ -3731,7 +3726,7 @@
         <p:spPr>
           <a:xfrm>
             <a:off x="1675713" y="2499407"/>
-            <a:ext cx="2262158" cy="1477328"/>
+            <a:ext cx="2262158" cy="923330"/>
           </a:xfrm>
           <a:prstGeom prst="rect">
             <a:avLst/>
@@ -3746,7 +3741,7 @@
           <a:p>
             <a:r>
               <a:rPr kumimoji="1" lang="zh-CN" altLang="en-US" b="1" dirty="0"/>
-              <a:t>单一选项：直接选</a:t>
+              <a:t>一次数数：从上往下</a:t>
             </a:r>
             <a:endParaRPr kumimoji="1" lang="en-US" altLang="zh-CN" b="1" dirty="0"/>
           </a:p>
@@ -3756,17 +3751,77 @@
           <a:p>
             <a:r>
               <a:rPr kumimoji="1" lang="zh-CN" altLang="en-US" b="1" dirty="0"/>
-              <a:t>多个选项：单面难点</a:t>
-            </a:r>
-            <a:endParaRPr kumimoji="1" lang="en-US" altLang="zh-CN" b="1" dirty="0"/>
-          </a:p>
-          <a:p>
-            <a:endParaRPr kumimoji="1" lang="en-US" altLang="zh-CN" b="1" dirty="0"/>
-          </a:p>
+              <a:t>二次数数：从前往后</a:t>
+            </a:r>
+          </a:p>
+        </p:txBody>
+      </p:sp>
+      <p:sp>
+        <p:nvSpPr>
+          <p:cNvPr id="2" name="文本框 1">
+            <a:extLst>
+              <a:ext uri="{FF2B5EF4-FFF2-40B4-BE49-F238E27FC236}">
+                <a16:creationId xmlns:a16="http://schemas.microsoft.com/office/drawing/2014/main" id="{0162C71C-28B9-CFD3-8B9D-AF75B3E21E0F}"/>
+              </a:ext>
+            </a:extLst>
+          </p:cNvPr>
+          <p:cNvSpPr txBox="1"/>
+          <p:nvPr/>
+        </p:nvSpPr>
+        <p:spPr>
+          <a:xfrm>
+            <a:off x="336885" y="3921859"/>
+            <a:ext cx="1107996" cy="369332"/>
+          </a:xfrm>
+          <a:prstGeom prst="rect">
+            <a:avLst/>
+          </a:prstGeom>
+          <a:noFill/>
+        </p:spPr>
+        <p:txBody>
+          <a:bodyPr wrap="none" rtlCol="0">
+            <a:spAutoFit/>
+          </a:bodyPr>
+          <a:lstStyle/>
           <a:p>
             <a:r>
               <a:rPr kumimoji="1" lang="zh-CN" altLang="en-US" b="1" dirty="0"/>
-              <a:t>无选项：旋转难点</a:t>
+              <a:t>翻转图形</a:t>
+            </a:r>
+          </a:p>
+        </p:txBody>
+      </p:sp>
+      <p:sp>
+        <p:nvSpPr>
+          <p:cNvPr id="3" name="文本框 2">
+            <a:extLst>
+              <a:ext uri="{FF2B5EF4-FFF2-40B4-BE49-F238E27FC236}">
+                <a16:creationId xmlns:a16="http://schemas.microsoft.com/office/drawing/2014/main" id="{1F75A101-D40A-2554-4690-8FFA97AA56AD}"/>
+              </a:ext>
+            </a:extLst>
+          </p:cNvPr>
+          <p:cNvSpPr txBox="1"/>
+          <p:nvPr/>
+        </p:nvSpPr>
+        <p:spPr>
+          <a:xfrm>
+            <a:off x="1675713" y="3921859"/>
+            <a:ext cx="1338828" cy="369332"/>
+          </a:xfrm>
+          <a:prstGeom prst="rect">
+            <a:avLst/>
+          </a:prstGeom>
+          <a:noFill/>
+        </p:spPr>
+        <p:txBody>
+          <a:bodyPr wrap="none" rtlCol="0">
+            <a:spAutoFit/>
+          </a:bodyPr>
+          <a:lstStyle/>
+          <a:p>
+            <a:r>
+              <a:rPr kumimoji="1" lang="zh-CN" altLang="en-US" b="1" dirty="0"/>
+              <a:t>排除离谱面</a:t>
             </a:r>
           </a:p>
         </p:txBody>
